--- a/Intro_SYS_2017.pptx
+++ b/Intro_SYS_2017.pptx
@@ -5,7 +5,7 @@
     <p:sldMasterId id="2147483660" r:id="rId1"/>
   </p:sldMasterIdLst>
   <p:notesMasterIdLst>
-    <p:notesMasterId r:id="rId14"/>
+    <p:notesMasterId r:id="rId11"/>
   </p:notesMasterIdLst>
   <p:sldIdLst>
     <p:sldId id="256" r:id="rId2"/>
@@ -16,13 +16,13 @@
     <p:sldId id="268" r:id="rId7"/>
     <p:sldId id="277" r:id="rId8"/>
     <p:sldId id="278" r:id="rId9"/>
-    <p:sldId id="270" r:id="rId10"/>
-    <p:sldId id="274" r:id="rId11"/>
-    <p:sldId id="273" r:id="rId12"/>
-    <p:sldId id="272" r:id="rId13"/>
+    <p:sldId id="274" r:id="rId10"/>
   </p:sldIdLst>
   <p:sldSz cx="9144000" cy="6858000" type="screen4x3"/>
   <p:notesSz cx="6858000" cy="9144000"/>
+  <p:custDataLst>
+    <p:tags r:id="rId12"/>
+  </p:custDataLst>
   <p:defaultTextStyle>
     <a:defPPr>
       <a:defRPr lang="en-US"/>
@@ -135,10 +135,7 @@
             <p14:sldId id="268"/>
             <p14:sldId id="277"/>
             <p14:sldId id="278"/>
-            <p14:sldId id="270"/>
             <p14:sldId id="274"/>
-            <p14:sldId id="273"/>
-            <p14:sldId id="272"/>
           </p14:sldIdLst>
         </p14:section>
       </p14:sectionLst>
@@ -232,7 +229,7 @@
           <a:p>
             <a:fld id="{10B6E168-7BE3-B34F-B84C-F97F83DB7DEA}" type="datetimeFigureOut">
               <a:rPr lang="en-US" smtClean="0"/>
-              <a:t>1/12/17</a:t>
+              <a:t>4/12/2017</a:t>
             </a:fld>
             <a:endParaRPr lang="en-US"/>
           </a:p>
@@ -390,7 +387,7 @@
           <a:p>
             <a:fld id="{2288DB58-189F-9C4C-8E43-64C5BD11118C}" type="slidenum">
               <a:rPr lang="en-US" smtClean="0"/>
-              <a:t>‹#›</a:t>
+              <a:t>‹nr.›</a:t>
             </a:fld>
             <a:endParaRPr lang="en-US"/>
           </a:p>
@@ -753,6 +750,13 @@
   <p:clrMapOvr>
     <a:masterClrMapping/>
   </p:clrMapOvr>
+  <p:timing>
+    <p:tnLst>
+      <p:par>
+        <p:cTn id="1" dur="indefinite" restart="never" nodeType="tmRoot"/>
+      </p:par>
+    </p:tnLst>
+  </p:timing>
 </p:sldLayout>
 </file>
 
@@ -1216,6 +1220,13 @@
   <p:clrMapOvr>
     <a:masterClrMapping/>
   </p:clrMapOvr>
+  <p:timing>
+    <p:tnLst>
+      <p:par>
+        <p:cTn id="1" dur="indefinite" restart="never" nodeType="tmRoot"/>
+      </p:par>
+    </p:tnLst>
+  </p:timing>
 </p:sldLayout>
 </file>
 
@@ -2343,7 +2354,7 @@
           <a:p>
             <a:fld id="{C51A5CCD-71AA-4D81-B3DE-FB85DD783566}" type="datetimeFigureOut">
               <a:rPr lang="da-DK" smtClean="0"/>
-              <a:t>12/01/2017</a:t>
+              <a:t>12-04-2017</a:t>
             </a:fld>
             <a:endParaRPr lang="da-DK"/>
           </a:p>
@@ -2409,7 +2420,7 @@
           <a:p>
             <a:fld id="{4CE90914-0FC2-40B0-9B62-7CCDAC77D40D}" type="slidenum">
               <a:rPr lang="da-DK" smtClean="0"/>
-              <a:t>‹#›</a:t>
+              <a:t>‹nr.›</a:t>
             </a:fld>
             <a:endParaRPr lang="da-DK"/>
           </a:p>
@@ -2569,7 +2580,7 @@
           <a:p>
             <a:fld id="{C51A5CCD-71AA-4D81-B3DE-FB85DD783566}" type="datetimeFigureOut">
               <a:rPr lang="da-DK" smtClean="0"/>
-              <a:t>12/01/2017</a:t>
+              <a:t>12-04-2017</a:t>
             </a:fld>
             <a:endParaRPr lang="da-DK"/>
           </a:p>
@@ -2611,7 +2622,7 @@
           <a:p>
             <a:fld id="{4CE90914-0FC2-40B0-9B62-7CCDAC77D40D}" type="slidenum">
               <a:rPr lang="da-DK" smtClean="0"/>
-              <a:t>‹#›</a:t>
+              <a:t>‹nr.›</a:t>
             </a:fld>
             <a:endParaRPr lang="da-DK"/>
           </a:p>
@@ -2776,6 +2787,13 @@
     <p:sldLayoutId id="2147483668" r:id="rId8"/>
     <p:sldLayoutId id="2147483669" r:id="rId9"/>
   </p:sldLayoutIdLst>
+  <p:timing>
+    <p:tnLst>
+      <p:par>
+        <p:cTn id="1" dur="indefinite" restart="never" nodeType="tmRoot"/>
+      </p:par>
+    </p:tnLst>
+  </p:timing>
   <p:txStyles>
     <p:titleStyle>
       <a:lvl1pPr algn="l" defTabSz="342962" rtl="0" eaLnBrk="1" latinLnBrk="0" hangingPunct="1">
@@ -3100,49 +3118,10 @@
           <a:p>
             <a:pPr marL="257175" indent="-257175"/>
             <a:r>
-              <a:rPr lang="en-US" sz="1400" b="1" dirty="0"/>
-              <a:t>Primary – Teaching</a:t>
-            </a:r>
-          </a:p>
-          <a:p>
-            <a:pPr marL="257175" indent="-257175"/>
-            <a:r>
-              <a:rPr lang="en-US" sz="1400" dirty="0"/>
-              <a:t>	Henrik </a:t>
-            </a:r>
-            <a:r>
-              <a:rPr lang="en-US" sz="1400" dirty="0" err="1"/>
-              <a:t>Hauge</a:t>
-            </a:r>
-            <a:r>
-              <a:rPr lang="en-US" sz="1400" dirty="0"/>
-              <a:t> (HAU)</a:t>
-            </a:r>
-          </a:p>
-          <a:p>
-            <a:pPr marL="257175" indent="-257175"/>
-            <a:r>
-              <a:rPr lang="en-US" sz="1400" dirty="0"/>
-              <a:t>	Tue Hellstern (TUHE)</a:t>
-            </a:r>
-          </a:p>
-          <a:p>
-            <a:pPr marL="257175" indent="-257175"/>
+              <a:rPr lang="en-US" sz="1400" b="1" dirty="0" smtClean="0"/>
+              <a:t>Tue Hellstern TUHE</a:t>
+            </a:r>
             <a:endParaRPr lang="en-US" sz="1400" dirty="0"/>
-          </a:p>
-          <a:p>
-            <a:pPr marL="257175" indent="-257175"/>
-            <a:r>
-              <a:rPr lang="en-US" sz="1400" b="1" dirty="0"/>
-              <a:t>Only Planning and Review</a:t>
-            </a:r>
-          </a:p>
-          <a:p>
-            <a:pPr marL="257175" indent="-257175"/>
-            <a:r>
-              <a:rPr lang="en-US" sz="1400" dirty="0"/>
-              <a:t>	Caroline (CHU)</a:t>
-            </a:r>
           </a:p>
         </p:txBody>
       </p:sp>
@@ -3195,812 +3174,13 @@
   <p:clrMapOvr>
     <a:masterClrMapping/>
   </p:clrMapOvr>
-</p:sld>
-</file>
-
-<file path=ppt/slides/slide10.xml><?xml version="1.0" encoding="utf-8"?>
-<p:sld xmlns:a="http://schemas.openxmlformats.org/drawingml/2006/main" xmlns:r="http://schemas.openxmlformats.org/officeDocument/2006/relationships" xmlns:p="http://schemas.openxmlformats.org/presentationml/2006/main">
-  <p:cSld>
-    <p:spTree>
-      <p:nvGrpSpPr>
-        <p:cNvPr id="1" name=""/>
-        <p:cNvGrpSpPr/>
-        <p:nvPr/>
-      </p:nvGrpSpPr>
-      <p:grpSpPr>
-        <a:xfrm>
-          <a:off x="0" y="0"/>
-          <a:ext cx="0" cy="0"/>
-          <a:chOff x="0" y="0"/>
-          <a:chExt cx="0" cy="0"/>
-        </a:xfrm>
-      </p:grpSpPr>
-      <p:sp>
-        <p:nvSpPr>
-          <p:cNvPr id="2" name="Text Placeholder 1"/>
-          <p:cNvSpPr>
-            <a:spLocks noGrp="1"/>
-          </p:cNvSpPr>
-          <p:nvPr>
-            <p:ph type="body" sz="quarter" idx="10"/>
-          </p:nvPr>
-        </p:nvSpPr>
-        <p:spPr>
-          <a:xfrm>
-            <a:off x="510346" y="669693"/>
-            <a:ext cx="8462831" cy="1143427"/>
-          </a:xfrm>
-        </p:spPr>
-        <p:txBody>
-          <a:bodyPr/>
-          <a:lstStyle/>
-          <a:p>
-            <a:r>
-              <a:rPr lang="en-US" dirty="0"/>
-              <a:t>Semester Project</a:t>
-            </a:r>
-          </a:p>
-          <a:p>
-            <a:r>
-              <a:rPr lang="en-US" dirty="0"/>
-              <a:t>Online Reservation System</a:t>
-            </a:r>
-          </a:p>
-        </p:txBody>
-      </p:sp>
-      <p:sp>
-        <p:nvSpPr>
-          <p:cNvPr id="3" name="Content Placeholder 2"/>
-          <p:cNvSpPr>
-            <a:spLocks noGrp="1"/>
-          </p:cNvSpPr>
-          <p:nvPr>
-            <p:ph sz="quarter" idx="12"/>
-          </p:nvPr>
-        </p:nvSpPr>
-        <p:spPr/>
-        <p:txBody>
-          <a:bodyPr/>
-          <a:lstStyle/>
-          <a:p>
-            <a:pPr marL="0" lvl="0" indent="0" defTabSz="914400">
-              <a:spcBef>
-                <a:spcPts val="0"/>
-              </a:spcBef>
-              <a:spcAft>
-                <a:spcPts val="1200"/>
-              </a:spcAft>
-              <a:buClrTx/>
-              <a:buNone/>
-            </a:pPr>
-            <a:r>
-              <a:rPr lang="en-US" dirty="0"/>
-              <a:t>The task for this project is to create a Proof of Concept solution for an Online Reservation System, similar to Web sites like </a:t>
-            </a:r>
-            <a:r>
-              <a:rPr lang="en-US" dirty="0" err="1"/>
-              <a:t>Momondo.com</a:t>
-            </a:r>
-            <a:r>
-              <a:rPr lang="en-US" dirty="0"/>
-              <a:t>, </a:t>
-            </a:r>
-            <a:r>
-              <a:rPr lang="en-US" dirty="0" err="1"/>
-              <a:t>Expedia.com</a:t>
-            </a:r>
-            <a:r>
-              <a:rPr lang="en-US" dirty="0"/>
-              <a:t> and others. </a:t>
-            </a:r>
-          </a:p>
-          <a:p>
-            <a:pPr marL="0" lvl="0" indent="0" defTabSz="914400">
-              <a:spcBef>
-                <a:spcPts val="0"/>
-              </a:spcBef>
-              <a:spcAft>
-                <a:spcPts val="1200"/>
-              </a:spcAft>
-              <a:buClrTx/>
-              <a:buNone/>
-            </a:pPr>
-            <a:r>
-              <a:rPr lang="en-US" dirty="0"/>
-              <a:t>The solution must include the following subsystems:</a:t>
-            </a:r>
-          </a:p>
-          <a:p>
-            <a:pPr defTabSz="914400">
-              <a:spcBef>
-                <a:spcPts val="0"/>
-              </a:spcBef>
-              <a:buClrTx/>
-            </a:pPr>
-            <a:r>
-              <a:rPr lang="en-US" dirty="0"/>
-              <a:t>A Prototype for an actual airline that exposes its reservation system via a REST API - Airline 1-n</a:t>
-            </a:r>
-          </a:p>
-          <a:p>
-            <a:pPr defTabSz="914400">
-              <a:spcBef>
-                <a:spcPts val="0"/>
-              </a:spcBef>
-              <a:buClrTx/>
-            </a:pPr>
-            <a:r>
-              <a:rPr lang="en-US" dirty="0"/>
-              <a:t>The </a:t>
-            </a:r>
-            <a:r>
-              <a:rPr lang="en-US" dirty="0">
-                <a:hlinkClick r:id="rId2"/>
-              </a:rPr>
-              <a:t>Metasearch</a:t>
-            </a:r>
-            <a:r>
-              <a:rPr lang="en-US" dirty="0"/>
-              <a:t> Reservation System</a:t>
-            </a:r>
-          </a:p>
-          <a:p>
-            <a:pPr marL="0" lvl="0" indent="0" defTabSz="914400">
-              <a:spcBef>
-                <a:spcPts val="0"/>
-              </a:spcBef>
-              <a:spcAft>
-                <a:spcPts val="1200"/>
-              </a:spcAft>
-              <a:buClrTx/>
-              <a:buNone/>
-            </a:pPr>
-            <a:endParaRPr lang="en-US" dirty="0"/>
-          </a:p>
-        </p:txBody>
-      </p:sp>
-      <p:pic>
-        <p:nvPicPr>
-          <p:cNvPr id="5" name="Picture"/>
-          <p:cNvPicPr/>
-          <p:nvPr/>
-        </p:nvPicPr>
-        <p:blipFill>
-          <a:blip r:embed="rId3" cstate="screen">
-            <a:extLst>
-              <a:ext uri="{28A0092B-C50C-407E-A947-70E740481C1C}">
-                <a14:useLocalDpi xmlns:a14="http://schemas.microsoft.com/office/drawing/2010/main"/>
-              </a:ext>
-            </a:extLst>
-          </a:blip>
-          <a:stretch>
-            <a:fillRect/>
-          </a:stretch>
-        </p:blipFill>
-        <p:spPr bwMode="auto">
-          <a:xfrm>
-            <a:off x="5054322" y="4079631"/>
-            <a:ext cx="4077224" cy="2780137"/>
-          </a:xfrm>
-          <a:prstGeom prst="rect">
-            <a:avLst/>
-          </a:prstGeom>
-          <a:noFill/>
-          <a:ln w="9525">
-            <a:noFill/>
-            <a:miter lim="800000"/>
-            <a:headEnd/>
-            <a:tailEnd/>
-          </a:ln>
-        </p:spPr>
-      </p:pic>
-    </p:spTree>
-    <p:extLst>
-      <p:ext uri="{BB962C8B-B14F-4D97-AF65-F5344CB8AC3E}">
-        <p14:creationId xmlns:p14="http://schemas.microsoft.com/office/powerpoint/2010/main" val="809640040"/>
-      </p:ext>
-    </p:extLst>
-  </p:cSld>
-  <p:clrMapOvr>
-    <a:masterClrMapping/>
-  </p:clrMapOvr>
-</p:sld>
-</file>
-
-<file path=ppt/slides/slide11.xml><?xml version="1.0" encoding="utf-8"?>
-<p:sld xmlns:a="http://schemas.openxmlformats.org/drawingml/2006/main" xmlns:r="http://schemas.openxmlformats.org/officeDocument/2006/relationships" xmlns:p="http://schemas.openxmlformats.org/presentationml/2006/main">
-  <p:cSld>
-    <p:spTree>
-      <p:nvGrpSpPr>
-        <p:cNvPr id="1" name=""/>
-        <p:cNvGrpSpPr/>
-        <p:nvPr/>
-      </p:nvGrpSpPr>
-      <p:grpSpPr>
-        <a:xfrm>
-          <a:off x="0" y="0"/>
-          <a:ext cx="0" cy="0"/>
-          <a:chOff x="0" y="0"/>
-          <a:chExt cx="0" cy="0"/>
-        </a:xfrm>
-      </p:grpSpPr>
-      <p:sp>
-        <p:nvSpPr>
-          <p:cNvPr id="2" name="Text Placeholder 1"/>
-          <p:cNvSpPr>
-            <a:spLocks noGrp="1"/>
-          </p:cNvSpPr>
-          <p:nvPr>
-            <p:ph type="body" sz="quarter" idx="10"/>
-          </p:nvPr>
-        </p:nvSpPr>
-        <p:spPr/>
-        <p:txBody>
-          <a:bodyPr/>
-          <a:lstStyle/>
-          <a:p>
-            <a:r>
-              <a:rPr lang="en-GB" dirty="0"/>
-              <a:t>Buy and Sell it All</a:t>
-            </a:r>
-          </a:p>
-        </p:txBody>
-      </p:sp>
-      <p:sp>
-        <p:nvSpPr>
-          <p:cNvPr id="3" name="Content Placeholder 2"/>
-          <p:cNvSpPr>
-            <a:spLocks noGrp="1"/>
-          </p:cNvSpPr>
-          <p:nvPr>
-            <p:ph sz="quarter" idx="12"/>
-          </p:nvPr>
-        </p:nvSpPr>
-        <p:spPr>
-          <a:xfrm>
-            <a:off x="510347" y="2116875"/>
-            <a:ext cx="8086620" cy="4484892"/>
-          </a:xfrm>
-        </p:spPr>
-        <p:txBody>
-          <a:bodyPr>
-            <a:normAutofit fontScale="77500" lnSpcReduction="20000"/>
-          </a:bodyPr>
-          <a:lstStyle/>
-          <a:p>
-            <a:pPr marL="0" lvl="0" indent="0" defTabSz="914400">
-              <a:lnSpc>
-                <a:spcPct val="120000"/>
-              </a:lnSpc>
-              <a:spcBef>
-                <a:spcPts val="0"/>
-              </a:spcBef>
-              <a:spcAft>
-                <a:spcPts val="1200"/>
-              </a:spcAft>
-              <a:buClrTx/>
-              <a:buNone/>
-            </a:pPr>
-            <a:r>
-              <a:rPr lang="en-US" dirty="0"/>
-              <a:t>Someone else has probably already had the same idea, but come up with a great solution and put it on the market before them, and you could end up as millionaires ;-)</a:t>
-            </a:r>
-          </a:p>
-          <a:p>
-            <a:pPr marL="0" lvl="0" indent="0" defTabSz="914400">
-              <a:lnSpc>
-                <a:spcPct val="120000"/>
-              </a:lnSpc>
-              <a:spcBef>
-                <a:spcPts val="0"/>
-              </a:spcBef>
-              <a:spcAft>
-                <a:spcPts val="1200"/>
-              </a:spcAft>
-              <a:buClrTx/>
-              <a:buNone/>
-            </a:pPr>
-            <a:r>
-              <a:rPr lang="en-US" dirty="0"/>
-              <a:t>The idea is that you should create a site, somehow similar to sites like </a:t>
-            </a:r>
-            <a:r>
-              <a:rPr lang="en-US" dirty="0">
-                <a:hlinkClick r:id="rId2" action="ppaction://hlinkfile"/>
-              </a:rPr>
-              <a:t>Pricerunner.dk</a:t>
-            </a:r>
-            <a:r>
-              <a:rPr lang="en-US" dirty="0"/>
-              <a:t>, but with focus on items sold by private people.</a:t>
-            </a:r>
-          </a:p>
-          <a:p>
-            <a:pPr marL="0" lvl="0" indent="0" defTabSz="914400">
-              <a:lnSpc>
-                <a:spcPct val="120000"/>
-              </a:lnSpc>
-              <a:spcBef>
-                <a:spcPts val="0"/>
-              </a:spcBef>
-              <a:spcAft>
-                <a:spcPts val="1200"/>
-              </a:spcAft>
-              <a:buClrTx/>
-              <a:buNone/>
-            </a:pPr>
-            <a:r>
-              <a:rPr lang="en-US" dirty="0"/>
-              <a:t>If I for example, would like to buy an old and famous recording with the band "velvet underground" I would enter the request into your site, and your server will contact:</a:t>
-            </a:r>
-          </a:p>
-          <a:p>
-            <a:pPr marL="889000" indent="-249238" defTabSz="914400">
-              <a:lnSpc>
-                <a:spcPct val="120000"/>
-              </a:lnSpc>
-              <a:spcBef>
-                <a:spcPts val="0"/>
-              </a:spcBef>
-              <a:buClrTx/>
-            </a:pPr>
-            <a:r>
-              <a:rPr lang="en-US" b="1" dirty="0"/>
-              <a:t>DBA.dk</a:t>
-            </a:r>
-          </a:p>
-          <a:p>
-            <a:pPr marL="889000" indent="-249238" defTabSz="914400">
-              <a:lnSpc>
-                <a:spcPct val="120000"/>
-              </a:lnSpc>
-              <a:spcBef>
-                <a:spcPts val="0"/>
-              </a:spcBef>
-              <a:buClrTx/>
-            </a:pPr>
-            <a:r>
-              <a:rPr lang="en-US" b="1" dirty="0"/>
-              <a:t>GulogGratis.dk</a:t>
-            </a:r>
-          </a:p>
-          <a:p>
-            <a:pPr marL="889000" indent="-249238" defTabSz="914400">
-              <a:lnSpc>
-                <a:spcPct val="120000"/>
-              </a:lnSpc>
-              <a:spcBef>
-                <a:spcPts val="0"/>
-              </a:spcBef>
-              <a:buClrTx/>
-            </a:pPr>
-            <a:r>
-              <a:rPr lang="en-US" b="1" dirty="0"/>
-              <a:t>ebay.com</a:t>
-            </a:r>
-          </a:p>
-          <a:p>
-            <a:pPr marL="889000" indent="-249238" defTabSz="914400">
-              <a:lnSpc>
-                <a:spcPct val="120000"/>
-              </a:lnSpc>
-              <a:spcBef>
-                <a:spcPts val="0"/>
-              </a:spcBef>
-              <a:buClrTx/>
-            </a:pPr>
-            <a:r>
-              <a:rPr lang="en-US" b="1" dirty="0"/>
-              <a:t>Facebook.com</a:t>
-            </a:r>
-          </a:p>
-          <a:p>
-            <a:pPr marL="889000" indent="-249238" defTabSz="914400">
-              <a:lnSpc>
-                <a:spcPct val="120000"/>
-              </a:lnSpc>
-              <a:spcBef>
-                <a:spcPts val="0"/>
-              </a:spcBef>
-              <a:buClrTx/>
-            </a:pPr>
-            <a:r>
-              <a:rPr lang="en-US" b="1" dirty="0"/>
-              <a:t>…</a:t>
-            </a:r>
-          </a:p>
-          <a:p>
-            <a:pPr marL="0" lvl="0" indent="0" defTabSz="914400">
-              <a:lnSpc>
-                <a:spcPct val="120000"/>
-              </a:lnSpc>
-              <a:spcBef>
-                <a:spcPts val="0"/>
-              </a:spcBef>
-              <a:spcAft>
-                <a:spcPts val="1200"/>
-              </a:spcAft>
-              <a:buClrTx/>
-              <a:buNone/>
-            </a:pPr>
-            <a:r>
-              <a:rPr lang="en-US" dirty="0"/>
-              <a:t>and make a response, built from the responses from these sites.</a:t>
-            </a:r>
-          </a:p>
-          <a:p>
-            <a:pPr marL="0" lvl="0" indent="0" defTabSz="914400">
-              <a:lnSpc>
-                <a:spcPct val="120000"/>
-              </a:lnSpc>
-              <a:spcBef>
-                <a:spcPts val="0"/>
-              </a:spcBef>
-              <a:spcAft>
-                <a:spcPts val="1200"/>
-              </a:spcAft>
-              <a:buClrTx/>
-              <a:buNone/>
-            </a:pPr>
-            <a:r>
-              <a:rPr lang="en-US" dirty="0"/>
-              <a:t>The architecture will end up similar to what was explained for proposal 1, but the task of contacting all these remote companies/servers will probably be challenging.</a:t>
-            </a:r>
-          </a:p>
-          <a:p>
-            <a:pPr marL="0" marR="0" lvl="0" indent="0" defTabSz="914400" eaLnBrk="1" fontAlgn="auto" latinLnBrk="0" hangingPunct="1">
-              <a:lnSpc>
-                <a:spcPct val="100000"/>
-              </a:lnSpc>
-              <a:spcBef>
-                <a:spcPts val="0"/>
-              </a:spcBef>
-              <a:spcAft>
-                <a:spcPts val="0"/>
-              </a:spcAft>
-              <a:buClrTx/>
-              <a:buSzTx/>
-              <a:buFontTx/>
-              <a:buNone/>
-              <a:tabLst/>
-              <a:defRPr/>
-            </a:pPr>
-            <a:endParaRPr lang="en-US" dirty="0"/>
-          </a:p>
-        </p:txBody>
-      </p:sp>
-    </p:spTree>
-    <p:extLst>
-      <p:ext uri="{BB962C8B-B14F-4D97-AF65-F5344CB8AC3E}">
-        <p14:creationId xmlns:p14="http://schemas.microsoft.com/office/powerpoint/2010/main" val="890300103"/>
-      </p:ext>
-    </p:extLst>
-  </p:cSld>
-  <p:clrMapOvr>
-    <a:masterClrMapping/>
-  </p:clrMapOvr>
-</p:sld>
-</file>
-
-<file path=ppt/slides/slide12.xml><?xml version="1.0" encoding="utf-8"?>
-<p:sld xmlns:a="http://schemas.openxmlformats.org/drawingml/2006/main" xmlns:r="http://schemas.openxmlformats.org/officeDocument/2006/relationships" xmlns:p="http://schemas.openxmlformats.org/presentationml/2006/main">
-  <p:cSld>
-    <p:spTree>
-      <p:nvGrpSpPr>
-        <p:cNvPr id="1" name=""/>
-        <p:cNvGrpSpPr/>
-        <p:nvPr/>
-      </p:nvGrpSpPr>
-      <p:grpSpPr>
-        <a:xfrm>
-          <a:off x="0" y="0"/>
-          <a:ext cx="0" cy="0"/>
-          <a:chOff x="0" y="0"/>
-          <a:chExt cx="0" cy="0"/>
-        </a:xfrm>
-      </p:grpSpPr>
-      <p:sp>
-        <p:nvSpPr>
-          <p:cNvPr id="2" name="Text Placeholder 1"/>
-          <p:cNvSpPr>
-            <a:spLocks noGrp="1"/>
-          </p:cNvSpPr>
-          <p:nvPr>
-            <p:ph type="body" sz="quarter" idx="10"/>
-          </p:nvPr>
-        </p:nvSpPr>
-        <p:spPr/>
-        <p:txBody>
-          <a:bodyPr/>
-          <a:lstStyle/>
-          <a:p>
-            <a:r>
-              <a:rPr lang="en-US" dirty="0"/>
-              <a:t>Come up with your own project proposal</a:t>
-            </a:r>
-          </a:p>
-          <a:p>
-            <a:endParaRPr lang="en-US" dirty="0"/>
-          </a:p>
-        </p:txBody>
-      </p:sp>
-      <p:sp>
-        <p:nvSpPr>
-          <p:cNvPr id="3" name="Content Placeholder 2"/>
-          <p:cNvSpPr>
-            <a:spLocks noGrp="1"/>
-          </p:cNvSpPr>
-          <p:nvPr>
-            <p:ph sz="quarter" idx="12"/>
-          </p:nvPr>
-        </p:nvSpPr>
-        <p:spPr>
-          <a:xfrm>
-            <a:off x="510347" y="1564215"/>
-            <a:ext cx="8086620" cy="5017455"/>
-          </a:xfrm>
-        </p:spPr>
-        <p:txBody>
-          <a:bodyPr/>
-          <a:lstStyle/>
-          <a:p>
-            <a:pPr marL="0" indent="0">
-              <a:buNone/>
-            </a:pPr>
-            <a:r>
-              <a:rPr lang="en-US" dirty="0"/>
-              <a:t>This has to be approved by us, and should ideally include an architecture inspired by one of the other suggestions</a:t>
-            </a:r>
-          </a:p>
-          <a:p>
-            <a:pPr marL="0" indent="0">
-              <a:buNone/>
-            </a:pPr>
-            <a:endParaRPr lang="en-US" dirty="0"/>
-          </a:p>
-          <a:p>
-            <a:pPr marL="0" indent="0" algn="ctr">
-              <a:buNone/>
-            </a:pPr>
-            <a:r>
-              <a:rPr lang="en-GB" b="1" dirty="0">
-                <a:solidFill>
-                  <a:srgbClr val="00B050"/>
-                </a:solidFill>
-              </a:rPr>
-              <a:t>We can accept much, given an exciting real-life project</a:t>
-            </a:r>
-            <a:endParaRPr lang="en-US" b="1" dirty="0">
-              <a:solidFill>
-                <a:srgbClr val="00B050"/>
-              </a:solidFill>
-            </a:endParaRPr>
-          </a:p>
-          <a:p>
-            <a:pPr marL="0" indent="0">
-              <a:buNone/>
-            </a:pPr>
-            <a:endParaRPr lang="en-US" dirty="0"/>
-          </a:p>
-          <a:p>
-            <a:pPr marL="0" indent="0">
-              <a:buNone/>
-            </a:pPr>
-            <a:r>
-              <a:rPr lang="en-US" dirty="0"/>
-              <a:t>Design a web-application (1) which</a:t>
-            </a:r>
-            <a:br>
-              <a:rPr lang="en-US" dirty="0"/>
-            </a:br>
-            <a:r>
-              <a:rPr lang="en-US" dirty="0"/>
-              <a:t>uses </a:t>
-            </a:r>
-            <a:r>
-              <a:rPr lang="en-US" b="1" dirty="0">
-                <a:solidFill>
-                  <a:srgbClr val="00B050"/>
-                </a:solidFill>
-              </a:rPr>
-              <a:t>JPA</a:t>
-            </a:r>
-            <a:r>
-              <a:rPr lang="en-US" dirty="0">
-                <a:solidFill>
-                  <a:srgbClr val="00B050"/>
-                </a:solidFill>
-              </a:rPr>
-              <a:t> </a:t>
-            </a:r>
-            <a:r>
-              <a:rPr lang="en-US" dirty="0"/>
-              <a:t>for data, provides end </a:t>
-            </a:r>
-            <a:br>
-              <a:rPr lang="en-US" dirty="0"/>
-            </a:br>
-            <a:r>
-              <a:rPr lang="en-US" dirty="0"/>
-              <a:t>user pages with </a:t>
-            </a:r>
-            <a:r>
-              <a:rPr lang="en-US" b="1" dirty="0">
-                <a:solidFill>
-                  <a:srgbClr val="00B050"/>
-                </a:solidFill>
-              </a:rPr>
-              <a:t>AngularJS</a:t>
-            </a:r>
-            <a:r>
-              <a:rPr lang="en-US" dirty="0"/>
-              <a:t> that </a:t>
-            </a:r>
-            <a:br>
-              <a:rPr lang="en-US" dirty="0"/>
-            </a:br>
-            <a:r>
-              <a:rPr lang="en-US" dirty="0"/>
-              <a:t>uses </a:t>
-            </a:r>
-            <a:r>
-              <a:rPr lang="en-US" b="1" dirty="0">
-                <a:solidFill>
-                  <a:srgbClr val="00B050"/>
-                </a:solidFill>
-              </a:rPr>
-              <a:t>REST/JSON</a:t>
-            </a:r>
-            <a:r>
-              <a:rPr lang="en-US" dirty="0"/>
-              <a:t> to update pages </a:t>
-            </a:r>
-            <a:br>
-              <a:rPr lang="en-US" dirty="0"/>
-            </a:br>
-            <a:r>
-              <a:rPr lang="en-US" dirty="0"/>
-              <a:t>(2) and communicate with </a:t>
-            </a:r>
-            <a:r>
-              <a:rPr lang="en-US" b="1" dirty="0">
-                <a:solidFill>
-                  <a:srgbClr val="00B050"/>
-                </a:solidFill>
-              </a:rPr>
-              <a:t>external </a:t>
-            </a:r>
-            <a:br>
-              <a:rPr lang="en-US" b="1" dirty="0">
-                <a:solidFill>
-                  <a:srgbClr val="00B050"/>
-                </a:solidFill>
-              </a:rPr>
-            </a:br>
-            <a:r>
-              <a:rPr lang="en-US" b="1" dirty="0">
-                <a:solidFill>
-                  <a:srgbClr val="00B050"/>
-                </a:solidFill>
-              </a:rPr>
-              <a:t>servers</a:t>
-            </a:r>
-            <a:r>
-              <a:rPr lang="en-US" dirty="0"/>
-              <a:t> in order to serve a request </a:t>
-            </a:r>
-            <a:br>
-              <a:rPr lang="en-US" dirty="0"/>
-            </a:br>
-            <a:r>
-              <a:rPr lang="en-US" dirty="0"/>
-              <a:t>(think </a:t>
-            </a:r>
-            <a:r>
-              <a:rPr lang="en-US" dirty="0" err="1"/>
-              <a:t>Momondo</a:t>
-            </a:r>
-            <a:r>
-              <a:rPr lang="en-US" dirty="0"/>
-              <a:t>, </a:t>
-            </a:r>
-            <a:r>
-              <a:rPr lang="en-US" dirty="0" err="1"/>
-              <a:t>Hotels.com</a:t>
-            </a:r>
-            <a:r>
-              <a:rPr lang="en-US" dirty="0"/>
-              <a:t>, </a:t>
-            </a:r>
-            <a:r>
-              <a:rPr lang="en-US" dirty="0" err="1"/>
-              <a:t>etc</a:t>
-            </a:r>
-            <a:r>
-              <a:rPr lang="en-US" dirty="0"/>
-              <a:t>). </a:t>
-            </a:r>
-            <a:br>
-              <a:rPr lang="en-US" dirty="0"/>
-            </a:br>
-            <a:endParaRPr lang="en-US" dirty="0"/>
-          </a:p>
-          <a:p>
-            <a:pPr marL="0" indent="0">
-              <a:buNone/>
-            </a:pPr>
-            <a:r>
-              <a:rPr lang="en-US" dirty="0"/>
-              <a:t>The idea could be one you come up </a:t>
-            </a:r>
-            <a:br>
-              <a:rPr lang="en-US" dirty="0"/>
-            </a:br>
-            <a:r>
-              <a:rPr lang="en-US" dirty="0"/>
-              <a:t>with (you might have an idea that </a:t>
-            </a:r>
-            <a:br>
-              <a:rPr lang="en-US" dirty="0"/>
-            </a:br>
-            <a:r>
-              <a:rPr lang="en-US" dirty="0"/>
-              <a:t>could turn into a great business </a:t>
-            </a:r>
-            <a:br>
-              <a:rPr lang="en-US" dirty="0"/>
-            </a:br>
-            <a:r>
-              <a:rPr lang="en-US" dirty="0"/>
-              <a:t>idea), or an idea from an external company.</a:t>
-            </a:r>
-          </a:p>
-          <a:p>
-            <a:pPr marL="0" indent="0">
-              <a:buNone/>
-            </a:pPr>
-            <a:endParaRPr lang="en-US" dirty="0"/>
-          </a:p>
-        </p:txBody>
-      </p:sp>
-      <p:pic>
-        <p:nvPicPr>
-          <p:cNvPr id="4" name="Billede 1"/>
-          <p:cNvPicPr/>
-          <p:nvPr/>
-        </p:nvPicPr>
-        <p:blipFill>
-          <a:blip r:embed="rId2" cstate="screen">
-            <a:extLst>
-              <a:ext uri="{28A0092B-C50C-407E-A947-70E740481C1C}">
-                <a14:useLocalDpi xmlns:a14="http://schemas.microsoft.com/office/drawing/2010/main"/>
-              </a:ext>
-            </a:extLst>
-          </a:blip>
-          <a:stretch>
-            <a:fillRect/>
-          </a:stretch>
-        </p:blipFill>
-        <p:spPr>
-          <a:xfrm>
-            <a:off x="5074418" y="3386295"/>
-            <a:ext cx="3906976" cy="2514239"/>
-          </a:xfrm>
-          <a:prstGeom prst="rect">
-            <a:avLst/>
-          </a:prstGeom>
-        </p:spPr>
-      </p:pic>
-    </p:spTree>
-    <p:extLst>
-      <p:ext uri="{BB962C8B-B14F-4D97-AF65-F5344CB8AC3E}">
-        <p14:creationId xmlns:p14="http://schemas.microsoft.com/office/powerpoint/2010/main" val="1932213277"/>
-      </p:ext>
-    </p:extLst>
-  </p:cSld>
-  <p:clrMapOvr>
-    <a:masterClrMapping/>
-  </p:clrMapOvr>
+  <p:timing>
+    <p:tnLst>
+      <p:par>
+        <p:cTn id="1" dur="indefinite" restart="never" nodeType="tmRoot"/>
+      </p:par>
+    </p:tnLst>
+  </p:timing>
 </p:sld>
 </file>
 
@@ -4037,9 +3217,14 @@
           <a:lstStyle/>
           <a:p>
             <a:r>
-              <a:rPr lang="da-DK" dirty="0"/>
-              <a:t>Agenda</a:t>
-            </a:r>
+              <a:rPr lang="da-DK" dirty="0" smtClean="0"/>
+              <a:t>Agenda - </a:t>
+            </a:r>
+            <a:r>
+              <a:rPr lang="da-DK" dirty="0" err="1" smtClean="0"/>
+              <a:t>today</a:t>
+            </a:r>
+            <a:endParaRPr lang="da-DK" dirty="0"/>
           </a:p>
         </p:txBody>
       </p:sp>
@@ -4101,14 +3286,6 @@
             <a:br>
               <a:rPr lang="en-US" dirty="0"/>
             </a:br>
-            <a:endParaRPr lang="en-US" dirty="0"/>
-          </a:p>
-          <a:p>
-            <a:pPr lvl="0"/>
-            <a:r>
-              <a:rPr lang="en-US" b="1" dirty="0" err="1"/>
-              <a:t>Ennova</a:t>
-            </a:r>
             <a:r>
               <a:rPr lang="en-US" dirty="0"/>
               <a:t/>
@@ -4135,8 +3312,12 @@
           <a:p>
             <a:pPr lvl="1"/>
             <a:r>
+              <a:rPr lang="en-US" dirty="0" smtClean="0"/>
+              <a:t>Requirement</a:t>
+            </a:r>
+            <a:r>
               <a:rPr lang="en-US" dirty="0"/>
-              <a:t>Case options</a:t>
+              <a:t/>
             </a:r>
             <a:br>
               <a:rPr lang="en-US" dirty="0"/>
@@ -4216,6 +3397,13 @@
   <p:clrMapOvr>
     <a:masterClrMapping/>
   </p:clrMapOvr>
+  <p:timing>
+    <p:tnLst>
+      <p:par>
+        <p:cTn id="1" dur="indefinite" restart="never" nodeType="tmRoot"/>
+      </p:par>
+    </p:tnLst>
+  </p:timing>
 </p:sld>
 </file>
 
@@ -4278,7 +3466,7 @@
             <p:ph sz="quarter" idx="12"/>
             <p:extLst>
               <p:ext uri="{D42A27DB-BD31-4B8C-83A1-F6EECF244321}">
-                <p14:modId xmlns:p14="http://schemas.microsoft.com/office/powerpoint/2010/main" val="1801196067"/>
+                <p14:modId xmlns:p14="http://schemas.microsoft.com/office/powerpoint/2010/main" val="1623938029"/>
               </p:ext>
             </p:extLst>
           </p:nvPr>
@@ -4297,35 +3485,35 @@
                 <a:gridCol w="643095">
                   <a:extLst>
                     <a:ext uri="{9D8B030D-6E8A-4147-A177-3AD203B41FA5}">
-                      <a16:colId xmlns:a16="http://schemas.microsoft.com/office/drawing/2014/main" xmlns="" val="20000"/>
+                      <a16:colId xmlns="" xmlns:a16="http://schemas.microsoft.com/office/drawing/2014/main" val="20000"/>
                     </a:ext>
                   </a:extLst>
                 </a:gridCol>
                 <a:gridCol w="2351314">
                   <a:extLst>
                     <a:ext uri="{9D8B030D-6E8A-4147-A177-3AD203B41FA5}">
-                      <a16:colId xmlns:a16="http://schemas.microsoft.com/office/drawing/2014/main" xmlns="" val="20001"/>
+                      <a16:colId xmlns="" xmlns:a16="http://schemas.microsoft.com/office/drawing/2014/main" val="20001"/>
                     </a:ext>
                   </a:extLst>
                 </a:gridCol>
                 <a:gridCol w="2491991">
                   <a:extLst>
                     <a:ext uri="{9D8B030D-6E8A-4147-A177-3AD203B41FA5}">
-                      <a16:colId xmlns:a16="http://schemas.microsoft.com/office/drawing/2014/main" xmlns="" val="20002"/>
+                      <a16:colId xmlns="" xmlns:a16="http://schemas.microsoft.com/office/drawing/2014/main" val="20002"/>
                     </a:ext>
                   </a:extLst>
                 </a:gridCol>
                 <a:gridCol w="914400">
                   <a:extLst>
                     <a:ext uri="{9D8B030D-6E8A-4147-A177-3AD203B41FA5}">
-                      <a16:colId xmlns:a16="http://schemas.microsoft.com/office/drawing/2014/main" xmlns="" val="20003"/>
+                      <a16:colId xmlns="" xmlns:a16="http://schemas.microsoft.com/office/drawing/2014/main" val="20003"/>
                     </a:ext>
                   </a:extLst>
                 </a:gridCol>
                 <a:gridCol w="2743200">
                   <a:extLst>
                     <a:ext uri="{9D8B030D-6E8A-4147-A177-3AD203B41FA5}">
-                      <a16:colId xmlns:a16="http://schemas.microsoft.com/office/drawing/2014/main" xmlns="" val="20004"/>
+                      <a16:colId xmlns="" xmlns:a16="http://schemas.microsoft.com/office/drawing/2014/main" val="20004"/>
                     </a:ext>
                   </a:extLst>
                 </a:gridCol>
@@ -4433,7 +3621,7 @@
                 </a:tc>
                 <a:extLst>
                   <a:ext uri="{0D108BD9-81ED-4DB2-BD59-A6C34878D82A}">
-                    <a16:rowId xmlns:a16="http://schemas.microsoft.com/office/drawing/2014/main" xmlns="" val="10000"/>
+                    <a16:rowId xmlns="" xmlns:a16="http://schemas.microsoft.com/office/drawing/2014/main" val="10000"/>
                   </a:ext>
                 </a:extLst>
               </a:tr>
@@ -4635,7 +3823,7 @@
                 </a:tc>
                 <a:extLst>
                   <a:ext uri="{0D108BD9-81ED-4DB2-BD59-A6C34878D82A}">
-                    <a16:rowId xmlns:a16="http://schemas.microsoft.com/office/drawing/2014/main" xmlns="" val="10001"/>
+                    <a16:rowId xmlns="" xmlns:a16="http://schemas.microsoft.com/office/drawing/2014/main" val="10001"/>
                   </a:ext>
                 </a:extLst>
               </a:tr>
@@ -4792,7 +3980,7 @@
                 </a:tc>
                 <a:extLst>
                   <a:ext uri="{0D108BD9-81ED-4DB2-BD59-A6C34878D82A}">
-                    <a16:rowId xmlns:a16="http://schemas.microsoft.com/office/drawing/2014/main" xmlns="" val="10002"/>
+                    <a16:rowId xmlns="" xmlns:a16="http://schemas.microsoft.com/office/drawing/2014/main" val="10002"/>
                   </a:ext>
                 </a:extLst>
               </a:tr>
@@ -4934,7 +4122,7 @@
                 </a:tc>
                 <a:extLst>
                   <a:ext uri="{0D108BD9-81ED-4DB2-BD59-A6C34878D82A}">
-                    <a16:rowId xmlns:a16="http://schemas.microsoft.com/office/drawing/2014/main" xmlns="" val="10003"/>
+                    <a16:rowId xmlns="" xmlns:a16="http://schemas.microsoft.com/office/drawing/2014/main" val="10003"/>
                   </a:ext>
                 </a:extLst>
               </a:tr>
@@ -5027,7 +4215,18 @@
                     <a:bodyPr/>
                     <a:lstStyle/>
                     <a:p>
-                      <a:endParaRPr lang="en-US" sz="1381" b="1" kern="1200" dirty="0">
+                      <a:r>
+                        <a:rPr lang="da-DK" sz="1381" b="1" kern="1200" noProof="0" dirty="0" smtClean="0">
+                          <a:solidFill>
+                            <a:schemeClr val="accent2"/>
+                          </a:solidFill>
+                          <a:latin typeface="+mn-lt"/>
+                          <a:ea typeface="+mn-ea"/>
+                          <a:cs typeface="+mn-cs"/>
+                        </a:rPr>
+                        <a:t>Aflevering af rapport</a:t>
+                      </a:r>
+                      <a:endParaRPr lang="da-DK" sz="1381" b="1" kern="1200" noProof="0" dirty="0">
                         <a:solidFill>
                           <a:schemeClr val="accent2"/>
                         </a:solidFill>
@@ -5047,7 +4246,7 @@
                 </a:tc>
                 <a:extLst>
                   <a:ext uri="{0D108BD9-81ED-4DB2-BD59-A6C34878D82A}">
-                    <a16:rowId xmlns:a16="http://schemas.microsoft.com/office/drawing/2014/main" xmlns="" val="10004"/>
+                    <a16:rowId xmlns="" xmlns:a16="http://schemas.microsoft.com/office/drawing/2014/main" val="10004"/>
                   </a:ext>
                 </a:extLst>
               </a:tr>
@@ -5160,8 +4359,52 @@
                           <a:ea typeface="+mn-ea"/>
                           <a:cs typeface="+mn-cs"/>
                         </a:rPr>
-                        <a:t>Exam prep. questions</a:t>
+                        <a:t>Exam prep. </a:t>
                       </a:r>
+                      <a:r>
+                        <a:rPr lang="en-US" sz="1381" b="1" kern="1200" dirty="0" smtClean="0">
+                          <a:solidFill>
+                            <a:schemeClr val="accent2"/>
+                          </a:solidFill>
+                          <a:latin typeface="+mn-lt"/>
+                          <a:ea typeface="+mn-ea"/>
+                          <a:cs typeface="+mn-cs"/>
+                        </a:rPr>
+                        <a:t>Questions</a:t>
+                      </a:r>
+                    </a:p>
+                    <a:p>
+                      <a:pPr marL="0" algn="l" defTabSz="342962" rtl="0" eaLnBrk="1" latinLnBrk="0" hangingPunct="1"/>
+                      <a:endParaRPr lang="en-US" sz="1381" b="1" kern="1200" dirty="0" smtClean="0">
+                        <a:solidFill>
+                          <a:schemeClr val="accent2"/>
+                        </a:solidFill>
+                        <a:latin typeface="+mn-lt"/>
+                        <a:ea typeface="+mn-ea"/>
+                        <a:cs typeface="+mn-cs"/>
+                      </a:endParaRPr>
+                    </a:p>
+                    <a:p>
+                      <a:pPr marL="0" algn="l" defTabSz="342962" rtl="0" eaLnBrk="1" latinLnBrk="0" hangingPunct="1"/>
+                      <a:r>
+                        <a:rPr lang="en-US" sz="1381" b="1" kern="1200" dirty="0" smtClean="0">
+                          <a:solidFill>
+                            <a:schemeClr val="accent2"/>
+                          </a:solidFill>
+                          <a:latin typeface="+mn-lt"/>
+                          <a:ea typeface="+mn-ea"/>
+                          <a:cs typeface="+mn-cs"/>
+                        </a:rPr>
+                        <a:t>Sprint planning</a:t>
+                      </a:r>
+                      <a:endParaRPr lang="en-US" sz="1381" b="1" kern="1200" dirty="0">
+                        <a:solidFill>
+                          <a:schemeClr val="accent2"/>
+                        </a:solidFill>
+                        <a:latin typeface="+mn-lt"/>
+                        <a:ea typeface="+mn-ea"/>
+                        <a:cs typeface="+mn-cs"/>
+                      </a:endParaRPr>
                     </a:p>
                   </a:txBody>
                   <a:tcPr anchor="ctr"/>
@@ -5195,7 +4438,7 @@
                 </a:tc>
                 <a:extLst>
                   <a:ext uri="{0D108BD9-81ED-4DB2-BD59-A6C34878D82A}">
-                    <a16:rowId xmlns:a16="http://schemas.microsoft.com/office/drawing/2014/main" xmlns="" val="10005"/>
+                    <a16:rowId xmlns="" xmlns:a16="http://schemas.microsoft.com/office/drawing/2014/main" val="10005"/>
                   </a:ext>
                 </a:extLst>
               </a:tr>
@@ -5283,6 +4526,13 @@
   <p:clrMapOvr>
     <a:masterClrMapping/>
   </p:clrMapOvr>
+  <p:timing>
+    <p:tnLst>
+      <p:par>
+        <p:cTn id="1" dur="indefinite" restart="never" nodeType="tmRoot"/>
+      </p:par>
+    </p:tnLst>
+  </p:timing>
 </p:sld>
 </file>
 
@@ -5375,8 +4625,8 @@
               </a:tabLst>
             </a:pPr>
             <a:r>
-              <a:rPr lang="en-GB" dirty="0" smtClean="0"/>
-              <a:t>Friday</a:t>
+              <a:rPr lang="en-GB" dirty="0" err="1" smtClean="0"/>
+              <a:t>Fredag</a:t>
             </a:r>
             <a:r>
               <a:rPr lang="en-GB" dirty="0"/>
@@ -5384,11 +4634,7 @@
             </a:r>
             <a:r>
               <a:rPr lang="en-GB" dirty="0" smtClean="0"/>
-              <a:t>28</a:t>
-            </a:r>
-            <a:r>
-              <a:rPr lang="en-GB" dirty="0" smtClean="0"/>
-              <a:t>/04</a:t>
+              <a:t>28/04</a:t>
             </a:r>
             <a:r>
               <a:rPr lang="en-GB" dirty="0"/>
@@ -5428,16 +4674,16 @@
               </a:tabLst>
             </a:pPr>
             <a:r>
+              <a:rPr lang="en-GB" dirty="0" err="1" smtClean="0"/>
+              <a:t>Fredag</a:t>
+            </a:r>
+            <a:r>
               <a:rPr lang="en-GB" dirty="0"/>
-              <a:t>Friday	</a:t>
+              <a:t>	</a:t>
             </a:r>
             <a:r>
               <a:rPr lang="en-GB" dirty="0" smtClean="0"/>
-              <a:t>05</a:t>
-            </a:r>
-            <a:r>
-              <a:rPr lang="en-GB" dirty="0" smtClean="0"/>
-              <a:t>/05</a:t>
+              <a:t>05/05</a:t>
             </a:r>
             <a:r>
               <a:rPr lang="en-GB" dirty="0"/>
@@ -5475,8 +4721,8 @@
               </a:tabLst>
             </a:pPr>
             <a:r>
-              <a:rPr lang="en-GB" dirty="0" smtClean="0"/>
-              <a:t>Monday</a:t>
+              <a:rPr lang="en-GB" dirty="0" err="1" smtClean="0"/>
+              <a:t>Mandag</a:t>
             </a:r>
             <a:r>
               <a:rPr lang="en-GB" dirty="0"/>
@@ -5484,11 +4730,7 @@
             </a:r>
             <a:r>
               <a:rPr lang="en-GB" dirty="0" smtClean="0"/>
-              <a:t>15</a:t>
-            </a:r>
-            <a:r>
-              <a:rPr lang="en-GB" dirty="0" smtClean="0"/>
-              <a:t>/05</a:t>
+              <a:t>15/05</a:t>
             </a:r>
             <a:r>
               <a:rPr lang="en-GB" dirty="0"/>
@@ -5526,16 +4768,16 @@
               </a:tabLst>
             </a:pPr>
             <a:r>
+              <a:rPr lang="en-GB" dirty="0" err="1" smtClean="0"/>
+              <a:t>Fredag</a:t>
+            </a:r>
+            <a:r>
               <a:rPr lang="en-GB" dirty="0"/>
-              <a:t>Friday	</a:t>
+              <a:t>	</a:t>
             </a:r>
             <a:r>
               <a:rPr lang="en-GB" dirty="0" smtClean="0"/>
-              <a:t>19</a:t>
-            </a:r>
-            <a:r>
-              <a:rPr lang="en-GB" dirty="0" smtClean="0"/>
-              <a:t>/05</a:t>
+              <a:t>19/05</a:t>
             </a:r>
             <a:r>
               <a:rPr lang="en-GB" dirty="0"/>
@@ -5569,12 +4811,20 @@
               </a:tabLst>
             </a:pPr>
             <a:r>
+              <a:rPr lang="en-GB" b="1" dirty="0" err="1" smtClean="0">
+                <a:solidFill>
+                  <a:srgbClr val="FF0000"/>
+                </a:solidFill>
+              </a:rPr>
+              <a:t>Torsdag</a:t>
+            </a:r>
+            <a:r>
               <a:rPr lang="en-GB" b="1" dirty="0">
                 <a:solidFill>
                   <a:srgbClr val="FF0000"/>
                 </a:solidFill>
               </a:rPr>
-              <a:t>Sunday	</a:t>
+              <a:t>	</a:t>
             </a:r>
             <a:r>
               <a:rPr lang="en-GB" b="1" dirty="0" smtClean="0">
@@ -5582,7 +4832,7 @@
                   <a:srgbClr val="FF0000"/>
                 </a:solidFill>
               </a:rPr>
-              <a:t>/</a:t>
+              <a:t>25/05</a:t>
             </a:r>
             <a:r>
               <a:rPr lang="en-GB" b="1" dirty="0">
@@ -5590,7 +4840,23 @@
                   <a:srgbClr val="FF0000"/>
                 </a:solidFill>
               </a:rPr>
-              <a:t>	23:59 - Report Hand-in on </a:t>
+              <a:t>	</a:t>
+            </a:r>
+            <a:r>
+              <a:rPr lang="en-GB" b="1" dirty="0" smtClean="0">
+                <a:solidFill>
+                  <a:srgbClr val="FF0000"/>
+                </a:solidFill>
+              </a:rPr>
+              <a:t>Report </a:t>
+            </a:r>
+            <a:r>
+              <a:rPr lang="en-GB" b="1" dirty="0">
+                <a:solidFill>
+                  <a:srgbClr val="FF0000"/>
+                </a:solidFill>
+              </a:rPr>
+              <a:t>Hand-in on </a:t>
             </a:r>
             <a:r>
               <a:rPr lang="en-GB" b="1" dirty="0" err="1">
@@ -5679,6 +4945,13 @@
   <p:clrMapOvr>
     <a:masterClrMapping/>
   </p:clrMapOvr>
+  <p:timing>
+    <p:tnLst>
+      <p:par>
+        <p:cTn id="1" dur="indefinite" restart="never" nodeType="tmRoot"/>
+      </p:par>
+    </p:tnLst>
+  </p:timing>
 </p:sld>
 </file>
 
@@ -5832,6 +5105,13 @@
   <p:clrMapOvr>
     <a:masterClrMapping/>
   </p:clrMapOvr>
+  <p:timing>
+    <p:tnLst>
+      <p:par>
+        <p:cTn id="1" dur="indefinite" restart="never" nodeType="tmRoot"/>
+      </p:par>
+    </p:tnLst>
+  </p:timing>
 </p:sld>
 </file>
 
@@ -5981,7 +5261,11 @@
             </a:pPr>
             <a:r>
               <a:rPr lang="en-US" sz="2400" dirty="0"/>
-              <a:t>Write group member names in Google Doc</a:t>
+              <a:t>Write group member names in Google </a:t>
+            </a:r>
+            <a:r>
+              <a:rPr lang="en-US" sz="2400" dirty="0" smtClean="0"/>
+              <a:t>Doc</a:t>
             </a:r>
           </a:p>
           <a:p>
@@ -6002,7 +5286,7 @@
               <a:tabLst/>
               <a:defRPr/>
             </a:pPr>
-            <a:endParaRPr lang="en-US" sz="1000" dirty="0"/>
+            <a:endParaRPr lang="en-US" sz="2400" dirty="0"/>
           </a:p>
           <a:p>
             <a:pPr marL="0" lvl="0" indent="0" defTabSz="914400">
@@ -6011,17 +5295,25 @@
               </a:spcBef>
               <a:buClrTx/>
               <a:buNone/>
+              <a:defRPr/>
             </a:pPr>
             <a:r>
               <a:rPr lang="en-US" sz="1100" dirty="0">
                 <a:hlinkClick r:id="rId3"/>
               </a:rPr>
-              <a:t>https://docs.google.com/document/d/14JCgYPstjlkiQCeaxPHi54-rWwFzHKUC6im2Rd4s6q4/edit?usp=sharing</a:t>
-            </a:r>
-            <a:r>
-              <a:rPr lang="en-US" sz="1100" dirty="0"/>
+              <a:t>https://</a:t>
+            </a:r>
+            <a:r>
+              <a:rPr lang="en-US" sz="1100" dirty="0" smtClean="0">
+                <a:hlinkClick r:id="rId3"/>
+              </a:rPr>
+              <a:t>docs.google.com/document/d/154LdWtT4Nh6Jq_bYr6Kg6SfKwLR18q42C5z9BCK6E9o/edit?usp=sharing</a:t>
+            </a:r>
+            <a:r>
+              <a:rPr lang="en-US" sz="1100" dirty="0" smtClean="0"/>
               <a:t> </a:t>
             </a:r>
+            <a:endParaRPr lang="en-US" sz="1100" dirty="0"/>
           </a:p>
         </p:txBody>
       </p:sp>
@@ -6035,6 +5327,13 @@
   <p:clrMapOvr>
     <a:masterClrMapping/>
   </p:clrMapOvr>
+  <p:timing>
+    <p:tnLst>
+      <p:par>
+        <p:cTn id="1" dur="indefinite" restart="never" nodeType="tmRoot"/>
+      </p:par>
+    </p:tnLst>
+  </p:timing>
 </p:sld>
 </file>
 
@@ -6267,6 +5566,13 @@
   <p:clrMapOvr>
     <a:masterClrMapping/>
   </p:clrMapOvr>
+  <p:timing>
+    <p:tnLst>
+      <p:par>
+        <p:cTn id="1" dur="indefinite" restart="never" nodeType="tmRoot"/>
+      </p:par>
+    </p:tnLst>
+  </p:timing>
 </p:sld>
 </file>
 
@@ -6632,19 +5938,28 @@
               <a:rPr lang="da-DK" sz="1300" dirty="0"/>
             </a:br>
             <a:r>
-              <a:rPr lang="nn-NO" sz="1300" dirty="0"/>
-              <a:t>DATSTUD &gt; Arkiv &gt; 3. semester &gt; fall2016Sem3-AllClasses &gt; SIP </a:t>
-            </a:r>
-          </a:p>
-          <a:p>
-            <a:pPr marL="0" lvl="0" indent="0">
-              <a:buNone/>
-            </a:pPr>
-            <a:r>
-              <a:rPr lang="en-US" sz="1300" b="1" dirty="0">
+              <a:rPr lang="da-DK" sz="1300" dirty="0" smtClean="0"/>
+              <a:t>GitHub </a:t>
+            </a:r>
+            <a:r>
+              <a:rPr lang="da-DK" sz="1300" dirty="0" smtClean="0"/>
+              <a:t>&gt;&gt; </a:t>
+            </a:r>
+            <a:r>
+              <a:rPr lang="da-DK" sz="1300" dirty="0">
                 <a:hlinkClick r:id="rId2"/>
               </a:rPr>
-              <a:t>3. semester SYS project fall 2016 – Assignment.pdf</a:t>
+              <a:t>https://</a:t>
+            </a:r>
+            <a:r>
+              <a:rPr lang="da-DK" sz="1300" dirty="0" smtClean="0">
+                <a:hlinkClick r:id="rId2"/>
+              </a:rPr>
+              <a:t>github.com/CphBusCosSem3/semester-project</a:t>
+            </a:r>
+            <a:r>
+              <a:rPr lang="da-DK" sz="1300" dirty="0" smtClean="0"/>
+              <a:t> </a:t>
             </a:r>
             <a:endParaRPr lang="da-DK" sz="1300" b="1" dirty="0"/>
           </a:p>
@@ -6660,6 +5975,13 @@
   <p:clrMapOvr>
     <a:masterClrMapping/>
   </p:clrMapOvr>
+  <p:timing>
+    <p:tnLst>
+      <p:par>
+        <p:cTn id="1" dur="indefinite" restart="never" nodeType="tmRoot"/>
+      </p:par>
+    </p:tnLst>
+  </p:timing>
 </p:sld>
 </file>
 
@@ -6690,14 +6012,25 @@
             <p:ph type="body" sz="quarter" idx="10"/>
           </p:nvPr>
         </p:nvSpPr>
-        <p:spPr/>
+        <p:spPr>
+          <a:xfrm>
+            <a:off x="510346" y="669693"/>
+            <a:ext cx="8462831" cy="1143427"/>
+          </a:xfrm>
+        </p:spPr>
         <p:txBody>
           <a:bodyPr/>
           <a:lstStyle/>
           <a:p>
             <a:r>
               <a:rPr lang="en-US" dirty="0"/>
-              <a:t>Project</a:t>
+              <a:t>Semester Project</a:t>
+            </a:r>
+          </a:p>
+          <a:p>
+            <a:r>
+              <a:rPr lang="en-US" dirty="0"/>
+              <a:t>Online Reservation System</a:t>
             </a:r>
           </a:p>
         </p:txBody>
@@ -6712,12 +6045,7 @@
             <p:ph sz="quarter" idx="12"/>
           </p:nvPr>
         </p:nvSpPr>
-        <p:spPr>
-          <a:xfrm>
-            <a:off x="510346" y="1594360"/>
-            <a:ext cx="8452783" cy="4977262"/>
-          </a:xfrm>
-        </p:spPr>
+        <p:spPr/>
         <p:txBody>
           <a:bodyPr/>
           <a:lstStyle/>
@@ -6726,12 +6054,31 @@
               <a:spcBef>
                 <a:spcPts val="0"/>
               </a:spcBef>
+              <a:spcAft>
+                <a:spcPts val="1200"/>
+              </a:spcAft>
               <a:buClrTx/>
               <a:buNone/>
             </a:pPr>
             <a:r>
               <a:rPr lang="en-US" dirty="0"/>
-              <a:t>You can chose between these three options for the semester project</a:t>
+              <a:t>The task for this project is to create a Proof of Concept solution for an Online Reservation System, similar to Web sites like </a:t>
+            </a:r>
+            <a:r>
+              <a:rPr lang="en-US" dirty="0" err="1"/>
+              <a:t>Momondo.com</a:t>
+            </a:r>
+            <a:r>
+              <a:rPr lang="en-US" dirty="0"/>
+              <a:t>, </a:t>
+            </a:r>
+            <a:r>
+              <a:rPr lang="en-US" dirty="0" err="1"/>
+              <a:t>Expedia.com</a:t>
+            </a:r>
+            <a:r>
+              <a:rPr lang="en-US" dirty="0"/>
+              <a:t> and others. </a:t>
             </a:r>
           </a:p>
           <a:p>
@@ -6739,212 +6086,125 @@
               <a:spcBef>
                 <a:spcPts val="0"/>
               </a:spcBef>
+              <a:spcAft>
+                <a:spcPts val="1200"/>
+              </a:spcAft>
               <a:buClrTx/>
               <a:buNone/>
             </a:pPr>
-            <a:endParaRPr lang="en-US" dirty="0"/>
-          </a:p>
-          <a:p>
-            <a:pPr marL="541338" indent="-342900" defTabSz="914400">
+            <a:r>
+              <a:rPr lang="en-US" dirty="0"/>
+              <a:t>The solution must include the following subsystems:</a:t>
+            </a:r>
+          </a:p>
+          <a:p>
+            <a:pPr defTabSz="914400">
               <a:spcBef>
                 <a:spcPts val="0"/>
               </a:spcBef>
               <a:buClrTx/>
-              <a:buFont typeface="+mj-lt"/>
-              <a:buAutoNum type="arabicPeriod"/>
             </a:pPr>
             <a:r>
-              <a:rPr lang="en-US" sz="1700" b="1" dirty="0"/>
-              <a:t>Implement your own simple "</a:t>
-            </a:r>
-            <a:r>
-              <a:rPr lang="en-US" sz="1700" b="1" dirty="0" err="1"/>
-              <a:t>Momondo</a:t>
-            </a:r>
-            <a:r>
-              <a:rPr lang="en-US" sz="1700" b="1" dirty="0"/>
-              <a:t>" Server</a:t>
-            </a:r>
-          </a:p>
-          <a:p>
-            <a:pPr marL="541338" indent="-342900" defTabSz="914400">
+              <a:rPr lang="en-US" dirty="0"/>
+              <a:t>A Prototype for an actual airline that exposes its reservation system via a REST API - Airline 1-n</a:t>
+            </a:r>
+          </a:p>
+          <a:p>
+            <a:pPr defTabSz="914400">
               <a:spcBef>
                 <a:spcPts val="0"/>
               </a:spcBef>
               <a:buClrTx/>
-              <a:buFont typeface="+mj-lt"/>
-              <a:buAutoNum type="arabicPeriod"/>
             </a:pPr>
             <a:r>
-              <a:rPr lang="en-US" sz="1700" b="1" dirty="0"/>
-              <a:t>Implement our business idea, described as "Buy and Sell it All"</a:t>
-            </a:r>
-          </a:p>
-          <a:p>
-            <a:pPr marL="541338" indent="-342900" defTabSz="914400">
-              <a:spcBef>
-                <a:spcPts val="0"/>
-              </a:spcBef>
-              <a:buClrTx/>
-              <a:buFont typeface="+mj-lt"/>
-              <a:buAutoNum type="arabicPeriod"/>
-            </a:pPr>
-            <a:r>
-              <a:rPr lang="en-US" sz="1700" b="1" dirty="0"/>
-              <a:t>Come up with your very own project proposal </a:t>
-            </a:r>
-          </a:p>
-          <a:p>
-            <a:pPr marL="541338" indent="-342900" defTabSz="914400">
-              <a:spcBef>
-                <a:spcPts val="0"/>
-              </a:spcBef>
-              <a:buClrTx/>
-              <a:buFont typeface="+mj-lt"/>
-              <a:buAutoNum type="arabicPeriod"/>
-            </a:pPr>
-            <a:endParaRPr lang="en-US" dirty="0"/>
-          </a:p>
-          <a:p>
-            <a:pPr marL="9525" indent="0" defTabSz="914400">
-              <a:spcBef>
-                <a:spcPts val="0"/>
-              </a:spcBef>
-              <a:buClrTx/>
-              <a:buNone/>
-            </a:pPr>
-            <a:r>
-              <a:rPr lang="en-GB" b="1" dirty="0">
-                <a:solidFill>
-                  <a:srgbClr val="00B050"/>
-                </a:solidFill>
-              </a:rPr>
-              <a:t>Which one you choose depends on your personal, and group, ambitions and also on your current professional skills. </a:t>
-            </a:r>
-          </a:p>
-          <a:p>
-            <a:pPr marL="9525" indent="0" defTabSz="914400">
-              <a:spcBef>
-                <a:spcPts val="0"/>
-              </a:spcBef>
-              <a:buClrTx/>
-              <a:buNone/>
-            </a:pPr>
-            <a:endParaRPr lang="en-GB" dirty="0"/>
-          </a:p>
-          <a:p>
-            <a:pPr marL="9525" indent="0" defTabSz="914400">
-              <a:spcBef>
-                <a:spcPts val="0"/>
-              </a:spcBef>
-              <a:buClrTx/>
-              <a:buNone/>
-            </a:pPr>
-            <a:r>
-              <a:rPr lang="en-GB" dirty="0"/>
-              <a:t>2 + 3 are the most challenging proposals and 1 the more straight forward proposal (but still challenging) with a guarantee to bring you through all the technologies we have been around this semester, one more time.</a:t>
-            </a:r>
-          </a:p>
-          <a:p>
-            <a:pPr marL="9525" indent="0" defTabSz="914400">
-              <a:spcBef>
-                <a:spcPts val="0"/>
-              </a:spcBef>
-              <a:buClrTx/>
-              <a:buNone/>
-            </a:pPr>
-            <a:endParaRPr lang="en-GB" dirty="0"/>
-          </a:p>
-          <a:p>
-            <a:pPr marL="9525" indent="0" defTabSz="914400">
-              <a:spcBef>
-                <a:spcPts val="0"/>
-              </a:spcBef>
-              <a:buClrTx/>
-              <a:buNone/>
-            </a:pPr>
-            <a:endParaRPr lang="en-GB" dirty="0"/>
-          </a:p>
-          <a:p>
-            <a:pPr marL="9525" indent="0" defTabSz="914400">
-              <a:spcBef>
-                <a:spcPts val="0"/>
-              </a:spcBef>
-              <a:buClrTx/>
-              <a:buNone/>
-            </a:pPr>
-            <a:r>
-              <a:rPr lang="en-GB" dirty="0"/>
-              <a:t>Se more: </a:t>
-            </a:r>
-          </a:p>
-          <a:p>
-            <a:pPr marL="9525" indent="0" defTabSz="914400">
-              <a:spcBef>
-                <a:spcPts val="0"/>
-              </a:spcBef>
-              <a:buClrTx/>
-              <a:buNone/>
-            </a:pPr>
-            <a:r>
-              <a:rPr lang="en-GB" sz="1200" dirty="0"/>
-              <a:t>DATSTUD &gt; </a:t>
-            </a:r>
-            <a:r>
-              <a:rPr lang="en-GB" sz="1200" dirty="0" err="1"/>
-              <a:t>Arkiv</a:t>
-            </a:r>
-            <a:r>
-              <a:rPr lang="en-GB" sz="1200" dirty="0"/>
-              <a:t> &gt; 3. semester &gt; fall2016Sem3-AllClasses &gt; SIP &gt; Project &gt; </a:t>
-            </a:r>
-            <a:r>
-              <a:rPr lang="en-GB" sz="1200" dirty="0" err="1">
+              <a:rPr lang="en-US" dirty="0"/>
+              <a:t>The </a:t>
+            </a:r>
+            <a:r>
+              <a:rPr lang="en-US" dirty="0">
                 <a:hlinkClick r:id="rId2"/>
               </a:rPr>
-              <a:t>SemesterProject</a:t>
-            </a:r>
-            <a:r>
-              <a:rPr lang="en-GB" sz="1200" dirty="0">
-                <a:hlinkClick r:id="rId2"/>
-              </a:rPr>
-              <a:t> 2016.pdf</a:t>
-            </a:r>
-            <a:endParaRPr lang="en-US" dirty="0"/>
-          </a:p>
-          <a:p>
-            <a:pPr marL="0" marR="0" lvl="0" indent="0" defTabSz="914400" eaLnBrk="1" fontAlgn="auto" latinLnBrk="0" hangingPunct="1">
-              <a:lnSpc>
-                <a:spcPct val="100000"/>
-              </a:lnSpc>
+              <a:t>Metasearch</a:t>
+            </a:r>
+            <a:r>
+              <a:rPr lang="en-US" dirty="0"/>
+              <a:t> Reservation System</a:t>
+            </a:r>
+          </a:p>
+          <a:p>
+            <a:pPr marL="0" lvl="0" indent="0" defTabSz="914400">
               <a:spcBef>
                 <a:spcPts val="0"/>
               </a:spcBef>
               <a:spcAft>
-                <a:spcPts val="0"/>
+                <a:spcPts val="1200"/>
               </a:spcAft>
               <a:buClrTx/>
-              <a:buSzTx/>
-              <a:buFontTx/>
-              <a:buNone/>
-              <a:tabLst/>
-              <a:defRPr/>
+              <a:buNone/>
             </a:pPr>
             <a:endParaRPr lang="en-US" dirty="0"/>
           </a:p>
         </p:txBody>
       </p:sp>
+      <p:pic>
+        <p:nvPicPr>
+          <p:cNvPr id="5" name="Picture"/>
+          <p:cNvPicPr/>
+          <p:nvPr/>
+        </p:nvPicPr>
+        <p:blipFill>
+          <a:blip r:embed="rId3" cstate="screen">
+            <a:extLst>
+              <a:ext uri="{28A0092B-C50C-407E-A947-70E740481C1C}">
+                <a14:useLocalDpi xmlns:a14="http://schemas.microsoft.com/office/drawing/2010/main"/>
+              </a:ext>
+            </a:extLst>
+          </a:blip>
+          <a:stretch>
+            <a:fillRect/>
+          </a:stretch>
+        </p:blipFill>
+        <p:spPr bwMode="auto">
+          <a:xfrm>
+            <a:off x="5054322" y="3969903"/>
+            <a:ext cx="4077224" cy="2780137"/>
+          </a:xfrm>
+          <a:prstGeom prst="rect">
+            <a:avLst/>
+          </a:prstGeom>
+          <a:noFill/>
+          <a:ln w="9525">
+            <a:noFill/>
+            <a:miter lim="800000"/>
+            <a:headEnd/>
+            <a:tailEnd/>
+          </a:ln>
+        </p:spPr>
+      </p:pic>
     </p:spTree>
     <p:extLst>
       <p:ext uri="{BB962C8B-B14F-4D97-AF65-F5344CB8AC3E}">
-        <p14:creationId xmlns:p14="http://schemas.microsoft.com/office/powerpoint/2010/main" val="2079057618"/>
+        <p14:creationId xmlns:p14="http://schemas.microsoft.com/office/powerpoint/2010/main" val="809640040"/>
       </p:ext>
     </p:extLst>
   </p:cSld>
   <p:clrMapOvr>
     <a:masterClrMapping/>
   </p:clrMapOvr>
+  <p:timing>
+    <p:tnLst>
+      <p:par>
+        <p:cTn id="1" dur="indefinite" restart="never" nodeType="tmRoot"/>
+      </p:par>
+    </p:tnLst>
+  </p:timing>
 </p:sld>
+</file>
+
+<file path=ppt/tags/tag1.xml><?xml version="1.0" encoding="utf-8"?>
+<p:tagLst xmlns:a="http://schemas.openxmlformats.org/drawingml/2006/main" xmlns:r="http://schemas.openxmlformats.org/officeDocument/2006/relationships" xmlns:p="http://schemas.openxmlformats.org/presentationml/2006/main">
+  <p:tag name="ISPRING_RESOURCE_PATHS_HASH_PRESENTER" val="e3e2a193be232ab2552a3ad4c1311f7ac6a67"/>
+</p:tagLst>
 </file>
 
 <file path=ppt/theme/theme1.xml><?xml version="1.0" encoding="utf-8"?>
